--- a/UC_UAV_workshop_4_4_17/Hands_on.pptx
+++ b/UC_UAV_workshop_4_4_17/Hands_on.pptx
@@ -205,7 +205,7 @@
           <a:p>
             <a:fld id="{F033ADFC-EE4A-C643-AC06-7BFBE38F47C8}" type="datetimeFigureOut">
               <a:rPr lang="en-US" smtClean="0"/>
-              <a:t>4/4/17</a:t>
+              <a:t>4/5/17</a:t>
             </a:fld>
             <a:endParaRPr lang="en-US"/>
           </a:p>
@@ -1448,7 +1448,7 @@
           <a:p>
             <a:fld id="{EF209FAE-1A1F-8F44-BB82-A463BF5E945D}" type="datetimeFigureOut">
               <a:rPr lang="en-US" smtClean="0"/>
-              <a:t>4/4/17</a:t>
+              <a:t>4/5/17</a:t>
             </a:fld>
             <a:endParaRPr lang="en-US"/>
           </a:p>
@@ -1618,7 +1618,7 @@
           <a:p>
             <a:fld id="{EF209FAE-1A1F-8F44-BB82-A463BF5E945D}" type="datetimeFigureOut">
               <a:rPr lang="en-US" smtClean="0"/>
-              <a:t>4/4/17</a:t>
+              <a:t>4/5/17</a:t>
             </a:fld>
             <a:endParaRPr lang="en-US"/>
           </a:p>
@@ -1798,7 +1798,7 @@
           <a:p>
             <a:fld id="{EF209FAE-1A1F-8F44-BB82-A463BF5E945D}" type="datetimeFigureOut">
               <a:rPr lang="en-US" smtClean="0"/>
-              <a:t>4/4/17</a:t>
+              <a:t>4/5/17</a:t>
             </a:fld>
             <a:endParaRPr lang="en-US"/>
           </a:p>
@@ -1968,7 +1968,7 @@
           <a:p>
             <a:fld id="{EF209FAE-1A1F-8F44-BB82-A463BF5E945D}" type="datetimeFigureOut">
               <a:rPr lang="en-US" smtClean="0"/>
-              <a:t>4/4/17</a:t>
+              <a:t>4/5/17</a:t>
             </a:fld>
             <a:endParaRPr lang="en-US"/>
           </a:p>
@@ -2214,7 +2214,7 @@
           <a:p>
             <a:fld id="{EF209FAE-1A1F-8F44-BB82-A463BF5E945D}" type="datetimeFigureOut">
               <a:rPr lang="en-US" smtClean="0"/>
-              <a:t>4/4/17</a:t>
+              <a:t>4/5/17</a:t>
             </a:fld>
             <a:endParaRPr lang="en-US"/>
           </a:p>
@@ -2502,7 +2502,7 @@
           <a:p>
             <a:fld id="{EF209FAE-1A1F-8F44-BB82-A463BF5E945D}" type="datetimeFigureOut">
               <a:rPr lang="en-US" smtClean="0"/>
-              <a:t>4/4/17</a:t>
+              <a:t>4/5/17</a:t>
             </a:fld>
             <a:endParaRPr lang="en-US"/>
           </a:p>
@@ -2924,7 +2924,7 @@
           <a:p>
             <a:fld id="{EF209FAE-1A1F-8F44-BB82-A463BF5E945D}" type="datetimeFigureOut">
               <a:rPr lang="en-US" smtClean="0"/>
-              <a:t>4/4/17</a:t>
+              <a:t>4/5/17</a:t>
             </a:fld>
             <a:endParaRPr lang="en-US"/>
           </a:p>
@@ -3042,7 +3042,7 @@
           <a:p>
             <a:fld id="{EF209FAE-1A1F-8F44-BB82-A463BF5E945D}" type="datetimeFigureOut">
               <a:rPr lang="en-US" smtClean="0"/>
-              <a:t>4/4/17</a:t>
+              <a:t>4/5/17</a:t>
             </a:fld>
             <a:endParaRPr lang="en-US"/>
           </a:p>
@@ -3137,7 +3137,7 @@
           <a:p>
             <a:fld id="{EF209FAE-1A1F-8F44-BB82-A463BF5E945D}" type="datetimeFigureOut">
               <a:rPr lang="en-US" smtClean="0"/>
-              <a:t>4/4/17</a:t>
+              <a:t>4/5/17</a:t>
             </a:fld>
             <a:endParaRPr lang="en-US"/>
           </a:p>
@@ -3414,7 +3414,7 @@
           <a:p>
             <a:fld id="{EF209FAE-1A1F-8F44-BB82-A463BF5E945D}" type="datetimeFigureOut">
               <a:rPr lang="en-US" smtClean="0"/>
-              <a:t>4/4/17</a:t>
+              <a:t>4/5/17</a:t>
             </a:fld>
             <a:endParaRPr lang="en-US"/>
           </a:p>
@@ -3667,7 +3667,7 @@
           <a:p>
             <a:fld id="{EF209FAE-1A1F-8F44-BB82-A463BF5E945D}" type="datetimeFigureOut">
               <a:rPr lang="en-US" smtClean="0"/>
-              <a:t>4/4/17</a:t>
+              <a:t>4/5/17</a:t>
             </a:fld>
             <a:endParaRPr lang="en-US"/>
           </a:p>
@@ -3880,7 +3880,7 @@
           <a:p>
             <a:fld id="{EF209FAE-1A1F-8F44-BB82-A463BF5E945D}" type="datetimeFigureOut">
               <a:rPr lang="en-US" smtClean="0"/>
-              <a:t>4/4/17</a:t>
+              <a:t>4/5/17</a:t>
             </a:fld>
             <a:endParaRPr lang="en-US"/>
           </a:p>
@@ -4387,12 +4387,12 @@
           <a:graphicData uri="http://schemas.openxmlformats.org/presentationml/2006/ole">
             <mc:AlternateContent xmlns:mc="http://schemas.openxmlformats.org/markup-compatibility/2006">
               <mc:Choice xmlns:v="urn:schemas-microsoft-com:vml" Requires="v">
-                <p:oleObj spid="_x0000_s1070" name="Document" r:id="rId4" imgW="5943600" imgH="342900" progId="Word.Document.12">
+                <p:oleObj spid="_x0000_s1079" name="Document" r:id="rId5" imgW="5943600" imgH="342900" progId="Word.Document.12">
                   <p:embed/>
                 </p:oleObj>
               </mc:Choice>
               <mc:Fallback>
-                <p:oleObj name="Document" r:id="rId4" imgW="5943600" imgH="342900" progId="Word.Document.12">
+                <p:oleObj name="Document" r:id="rId5" imgW="5943600" imgH="342900" progId="Word.Document.12">
                   <p:embed/>
                   <p:pic>
                     <p:nvPicPr>
@@ -4401,7 +4401,7 @@
                       <p:nvPr/>
                     </p:nvPicPr>
                     <p:blipFill>
-                      <a:blip r:embed="rId5"/>
+                      <a:blip r:embed="rId6"/>
                       <a:stretch>
                         <a:fillRect/>
                       </a:stretch>
@@ -4619,12 +4619,12 @@
           <a:graphicData uri="http://schemas.openxmlformats.org/presentationml/2006/ole">
             <mc:AlternateContent xmlns:mc="http://schemas.openxmlformats.org/markup-compatibility/2006">
               <mc:Choice xmlns:v="urn:schemas-microsoft-com:vml" Requires="v">
-                <p:oleObj spid="_x0000_s2068" name="Document" r:id="rId4" imgW="5943600" imgH="342900" progId="Word.Document.12">
+                <p:oleObj spid="_x0000_s2077" name="Document" r:id="rId5" imgW="5943600" imgH="342900" progId="Word.Document.12">
                   <p:embed/>
                 </p:oleObj>
               </mc:Choice>
               <mc:Fallback>
-                <p:oleObj name="Document" r:id="rId4" imgW="5943600" imgH="342900" progId="Word.Document.12">
+                <p:oleObj name="Document" r:id="rId5" imgW="5943600" imgH="342900" progId="Word.Document.12">
                   <p:embed/>
                   <p:pic>
                     <p:nvPicPr>
@@ -4633,7 +4633,7 @@
                       <p:nvPr/>
                     </p:nvPicPr>
                     <p:blipFill>
-                      <a:blip r:embed="rId5"/>
+                      <a:blip r:embed="rId6"/>
                       <a:stretch>
                         <a:fillRect/>
                       </a:stretch>
@@ -4738,7 +4738,7 @@
           <p:nvPr/>
         </p:nvPicPr>
         <p:blipFill>
-          <a:blip r:embed="rId6"/>
+          <a:blip r:embed="rId7"/>
           <a:stretch>
             <a:fillRect/>
           </a:stretch>
@@ -5150,7 +5150,7 @@
         </p:spPr>
         <p:txBody>
           <a:bodyPr>
-            <a:normAutofit/>
+            <a:normAutofit fontScale="92500" lnSpcReduction="10000"/>
           </a:bodyPr>
           <a:lstStyle/>
           <a:p>
@@ -5170,7 +5170,7 @@
           <a:p>
             <a:r>
               <a:rPr lang="en-US" dirty="0" smtClean="0"/>
-              <a:t>Add code here in ‘</a:t>
+              <a:t>Add code in ‘</a:t>
             </a:r>
             <a:r>
               <a:rPr lang="en-US" dirty="0" err="1" smtClean="0"/>
@@ -5184,29 +5184,38 @@
           <a:p>
             <a:r>
               <a:rPr lang="en-US" dirty="0" smtClean="0"/>
-              <a:t>Try it with the site ‘</a:t>
+              <a:t>Try it with a deciduous forest site.  Results will be saved in the ‘output folder’.</a:t>
+            </a:r>
+          </a:p>
+          <a:p>
+            <a:pPr lvl="1"/>
+            <a:r>
+              <a:rPr lang="en-US" dirty="0" smtClean="0"/>
+              <a:t>Only works with the </a:t>
             </a:r>
             <a:r>
               <a:rPr lang="en-US" dirty="0" err="1" smtClean="0"/>
-              <a:t>dukehw</a:t>
-            </a:r>
-            <a:r>
-              <a:rPr lang="en-US" dirty="0" smtClean="0"/>
-              <a:t>’, ‘DB_0001’ </a:t>
-            </a:r>
-            <a:r>
-              <a:rPr lang="en-US" dirty="0" smtClean="0"/>
-              <a:t>ROI, 3day product.  Results </a:t>
-            </a:r>
-            <a:r>
-              <a:rPr lang="en-US" dirty="0" smtClean="0"/>
-              <a:t>will be saved in the ‘output folder’</a:t>
-            </a:r>
-            <a:r>
-              <a:rPr lang="en-US" dirty="0" smtClean="0"/>
-              <a:t>.</a:t>
-            </a:r>
-            <a:endParaRPr lang="en-US" dirty="0" smtClean="0"/>
+              <a:t>greendown</a:t>
+            </a:r>
+            <a:r>
+              <a:rPr lang="en-US" dirty="0" smtClean="0"/>
+              <a:t> sigmoid model in this version</a:t>
+            </a:r>
+          </a:p>
+          <a:p>
+            <a:pPr lvl="1"/>
+            <a:r>
+              <a:rPr lang="en-US" dirty="0" smtClean="0"/>
+              <a:t>Try it with 1day and 3day products.  How are they different and does this make sense? (Note: change file name of .</a:t>
+            </a:r>
+            <a:r>
+              <a:rPr lang="en-US" dirty="0" err="1" smtClean="0"/>
+              <a:t>csv</a:t>
+            </a:r>
+            <a:r>
+              <a:rPr lang="en-US" dirty="0" smtClean="0"/>
+              <a:t> file or it will be overwritten)</a:t>
+            </a:r>
           </a:p>
         </p:txBody>
       </p:sp>
@@ -5259,7 +5268,15 @@
           <a:p>
             <a:r>
               <a:rPr lang="en-US" dirty="0" smtClean="0"/>
-              <a:t>Now try a new site we didn’t look at</a:t>
+              <a:t>Now try a new </a:t>
+            </a:r>
+            <a:r>
+              <a:rPr lang="en-US" dirty="0" smtClean="0"/>
+              <a:t>site, or your </a:t>
+            </a:r>
+            <a:r>
+              <a:rPr lang="en-US" smtClean="0"/>
+              <a:t>own data</a:t>
             </a:r>
             <a:endParaRPr lang="en-US" dirty="0"/>
           </a:p>
@@ -5293,38 +5310,75 @@
             </a:r>
           </a:p>
           <a:p>
-            <a:r>
-              <a:rPr lang="en-US" dirty="0" smtClean="0"/>
-              <a:t>Do the results make sense?</a:t>
-            </a:r>
-          </a:p>
-          <a:p>
-            <a:r>
-              <a:rPr lang="en-US" dirty="0" smtClean="0"/>
-              <a:t>Also, think about how could you adapt the code to work with your own time series </a:t>
-            </a:r>
-            <a:r>
-              <a:rPr lang="en-US" dirty="0" smtClean="0"/>
-              <a:t>data</a:t>
-            </a:r>
-          </a:p>
-          <a:p>
-            <a:r>
-              <a:rPr lang="en-US" dirty="0" smtClean="0"/>
-              <a:t>Note:  uncertainty calculation (Monte Carlo procedure) is still under development.  Version here doesn’t work with all time series.</a:t>
-            </a:r>
-          </a:p>
-          <a:p>
             <a:pPr lvl="1"/>
             <a:r>
               <a:rPr lang="en-US" dirty="0" smtClean="0"/>
-              <a:t>Improvements likely needed to matrix inverse calculation</a:t>
-            </a:r>
-          </a:p>
-          <a:p>
-            <a:endParaRPr lang="en-US" dirty="0" smtClean="0"/>
-          </a:p>
-          <a:p>
+              <a:t>Available methods now include ‘</a:t>
+            </a:r>
+            <a:r>
+              <a:rPr lang="en-US" dirty="0" err="1" smtClean="0"/>
+              <a:t>smoothInterp</a:t>
+            </a:r>
+            <a:r>
+              <a:rPr lang="en-US" dirty="0" smtClean="0"/>
+              <a:t>’, ‘</a:t>
+            </a:r>
+            <a:r>
+              <a:rPr lang="en-US" dirty="0" err="1" smtClean="0"/>
+              <a:t>separateSigmoids</a:t>
+            </a:r>
+            <a:r>
+              <a:rPr lang="en-US" dirty="0" smtClean="0"/>
+              <a:t>’, ‘</a:t>
+            </a:r>
+            <a:r>
+              <a:rPr lang="en-US" dirty="0" err="1" smtClean="0"/>
+              <a:t>greenDownSigmoid</a:t>
+            </a:r>
+            <a:r>
+              <a:rPr lang="en-US" dirty="0" smtClean="0"/>
+              <a:t>’, and ‘</a:t>
+            </a:r>
+            <a:r>
+              <a:rPr lang="en-US" dirty="0" err="1" smtClean="0"/>
+              <a:t>greenDownRichards</a:t>
+            </a:r>
+            <a:r>
+              <a:rPr lang="en-US" dirty="0" smtClean="0"/>
+              <a:t>’</a:t>
+            </a:r>
+          </a:p>
+          <a:p>
+            <a:r>
+              <a:rPr lang="en-US" dirty="0" smtClean="0"/>
+              <a:t>How could you adapt the code to work with your own time series data?</a:t>
+            </a:r>
+          </a:p>
+          <a:p>
+            <a:r>
+              <a:rPr lang="en-US" dirty="0"/>
+              <a:t>Do the results make sense</a:t>
+            </a:r>
+            <a:r>
+              <a:rPr lang="en-US" dirty="0" smtClean="0"/>
+              <a:t>?</a:t>
+            </a:r>
+            <a:endParaRPr lang="en-US" dirty="0"/>
+          </a:p>
+          <a:p>
+            <a:pPr lvl="1"/>
+            <a:r>
+              <a:rPr lang="en-US" dirty="0" smtClean="0"/>
+              <a:t>You can look at images from those days on the </a:t>
+            </a:r>
+            <a:r>
+              <a:rPr lang="en-US" dirty="0" err="1" smtClean="0"/>
+              <a:t>PhenoCam</a:t>
+            </a:r>
+            <a:r>
+              <a:rPr lang="en-US" dirty="0" smtClean="0"/>
+              <a:t> website, and see what the plants looked like</a:t>
+            </a:r>
             <a:endParaRPr lang="en-US" dirty="0"/>
           </a:p>
         </p:txBody>
@@ -5428,6 +5482,36 @@
             <a:r>
               <a:rPr lang="en-US" dirty="0" smtClean="0"/>
               <a:t>Think collaboratively about how to fill in missing portions of code</a:t>
+            </a:r>
+          </a:p>
+          <a:p>
+            <a:r>
+              <a:rPr lang="en-US" dirty="0"/>
+              <a:t>https://</a:t>
+            </a:r>
+            <a:r>
+              <a:rPr lang="en-US" dirty="0" err="1"/>
+              <a:t>github.com</a:t>
+            </a:r>
+            <a:r>
+              <a:rPr lang="en-US" dirty="0"/>
+              <a:t>/</a:t>
+            </a:r>
+            <a:r>
+              <a:rPr lang="en-US" dirty="0" err="1"/>
+              <a:t>klostest</a:t>
+            </a:r>
+            <a:r>
+              <a:rPr lang="en-US" dirty="0"/>
+              <a:t>/</a:t>
+            </a:r>
+            <a:r>
+              <a:rPr lang="en-US" dirty="0" err="1"/>
+              <a:t>PhenoCamAnalysis</a:t>
+            </a:r>
+            <a:r>
+              <a:rPr lang="en-US"/>
+              <a:t>/tree/master/UC_UAV_workshop_4_4_17</a:t>
             </a:r>
             <a:endParaRPr lang="en-US" dirty="0"/>
           </a:p>
@@ -6389,6 +6473,17 @@
               <a:rPr lang="en-US" dirty="0" smtClean="0"/>
               <a:t>Work collaboratively and ask for help</a:t>
             </a:r>
+          </a:p>
+          <a:p>
+            <a:pPr lvl="1"/>
+            <a:r>
+              <a:rPr lang="en-US" dirty="0" smtClean="0"/>
+              <a:t>Each successive challenge has solutions to the </a:t>
+            </a:r>
+            <a:r>
+              <a:rPr lang="en-US" smtClean="0"/>
+              <a:t>previous challenge</a:t>
+            </a:r>
             <a:endParaRPr lang="en-US" dirty="0"/>
           </a:p>
         </p:txBody>
@@ -6464,7 +6559,7 @@
         </p:spPr>
         <p:txBody>
           <a:bodyPr>
-            <a:normAutofit/>
+            <a:normAutofit lnSpcReduction="10000"/>
           </a:bodyPr>
           <a:lstStyle/>
           <a:p>
@@ -6543,9 +6638,23 @@
             <a:pPr lvl="1"/>
             <a:r>
               <a:rPr lang="en-US" dirty="0" smtClean="0"/>
-              <a:t>Exploratory plot to make sure it looks right.</a:t>
-            </a:r>
-            <a:endParaRPr lang="en-US" dirty="0"/>
+              <a:t>Make an exploratory plot of gcc90 versus time</a:t>
+            </a:r>
+          </a:p>
+          <a:p>
+            <a:pPr lvl="2"/>
+            <a:r>
+              <a:rPr lang="en-US" dirty="0" smtClean="0"/>
+              <a:t>gcc90 is a commonly used metric, with the 90</a:t>
+            </a:r>
+            <a:r>
+              <a:rPr lang="en-US" baseline="30000" dirty="0" smtClean="0"/>
+              <a:t>th</a:t>
+            </a:r>
+            <a:r>
+              <a:rPr lang="en-US" dirty="0" smtClean="0"/>
+              <a:t> percentile GCC value from the summary period</a:t>
+            </a:r>
           </a:p>
         </p:txBody>
       </p:sp>
